--- a/doc/advanced/slides/lesson_05.pptx
+++ b/doc/advanced/slides/lesson_05.pptx
@@ -232,7 +232,7 @@
           <a:p>
             <a:fld id="{9B5B52BA-3295-0343-9E28-A260A811DD10}" type="datetimeFigureOut">
               <a:rPr lang="en-US" smtClean="0"/>
-              <a:t>13-Aug-19</a:t>
+              <a:t>9/14/21</a:t>
             </a:fld>
             <a:endParaRPr lang="en-US"/>
           </a:p>
@@ -796,7 +796,7 @@
           <a:p>
             <a:fld id="{04F1D4A2-813C-F741-B481-C92B3A596030}" type="datetimeFigureOut">
               <a:rPr lang="en-US" smtClean="0"/>
-              <a:t>13-Aug-19</a:t>
+              <a:t>9/14/21</a:t>
             </a:fld>
             <a:endParaRPr lang="en-US"/>
           </a:p>
@@ -964,7 +964,7 @@
           <a:p>
             <a:fld id="{04F1D4A2-813C-F741-B481-C92B3A596030}" type="datetimeFigureOut">
               <a:rPr lang="en-US" smtClean="0"/>
-              <a:t>13-Aug-19</a:t>
+              <a:t>9/14/21</a:t>
             </a:fld>
             <a:endParaRPr lang="en-US"/>
           </a:p>
@@ -1142,7 +1142,7 @@
           <a:p>
             <a:fld id="{04F1D4A2-813C-F741-B481-C92B3A596030}" type="datetimeFigureOut">
               <a:rPr lang="en-US" smtClean="0"/>
-              <a:t>13-Aug-19</a:t>
+              <a:t>9/14/21</a:t>
             </a:fld>
             <a:endParaRPr lang="en-US"/>
           </a:p>
@@ -1321,7 +1321,7 @@
           <a:p>
             <a:fld id="{04F1D4A2-813C-F741-B481-C92B3A596030}" type="datetimeFigureOut">
               <a:rPr lang="en-US" smtClean="0"/>
-              <a:t>13-Aug-19</a:t>
+              <a:t>9/14/21</a:t>
             </a:fld>
             <a:endParaRPr lang="en-US"/>
           </a:p>
@@ -1566,7 +1566,7 @@
           <a:p>
             <a:fld id="{04F1D4A2-813C-F741-B481-C92B3A596030}" type="datetimeFigureOut">
               <a:rPr lang="en-US" smtClean="0"/>
-              <a:t>13-Aug-19</a:t>
+              <a:t>9/14/21</a:t>
             </a:fld>
             <a:endParaRPr lang="en-US"/>
           </a:p>
@@ -1795,7 +1795,7 @@
           <a:p>
             <a:fld id="{04F1D4A2-813C-F741-B481-C92B3A596030}" type="datetimeFigureOut">
               <a:rPr lang="en-US" smtClean="0"/>
-              <a:t>13-Aug-19</a:t>
+              <a:t>9/14/21</a:t>
             </a:fld>
             <a:endParaRPr lang="en-US"/>
           </a:p>
@@ -2159,7 +2159,7 @@
           <a:p>
             <a:fld id="{04F1D4A2-813C-F741-B481-C92B3A596030}" type="datetimeFigureOut">
               <a:rPr lang="en-US" smtClean="0"/>
-              <a:t>13-Aug-19</a:t>
+              <a:t>9/14/21</a:t>
             </a:fld>
             <a:endParaRPr lang="en-US"/>
           </a:p>
@@ -2276,7 +2276,7 @@
           <a:p>
             <a:fld id="{04F1D4A2-813C-F741-B481-C92B3A596030}" type="datetimeFigureOut">
               <a:rPr lang="en-US" smtClean="0"/>
-              <a:t>13-Aug-19</a:t>
+              <a:t>9/14/21</a:t>
             </a:fld>
             <a:endParaRPr lang="en-US"/>
           </a:p>
@@ -2371,7 +2371,7 @@
           <a:p>
             <a:fld id="{04F1D4A2-813C-F741-B481-C92B3A596030}" type="datetimeFigureOut">
               <a:rPr lang="en-US" smtClean="0"/>
-              <a:t>13-Aug-19</a:t>
+              <a:t>9/14/21</a:t>
             </a:fld>
             <a:endParaRPr lang="en-US"/>
           </a:p>
@@ -2646,7 +2646,7 @@
           <a:p>
             <a:fld id="{04F1D4A2-813C-F741-B481-C92B3A596030}" type="datetimeFigureOut">
               <a:rPr lang="en-US" smtClean="0"/>
-              <a:t>13-Aug-19</a:t>
+              <a:t>9/14/21</a:t>
             </a:fld>
             <a:endParaRPr lang="en-US"/>
           </a:p>
@@ -2898,7 +2898,7 @@
           <a:p>
             <a:fld id="{04F1D4A2-813C-F741-B481-C92B3A596030}" type="datetimeFigureOut">
               <a:rPr lang="en-US" smtClean="0"/>
-              <a:t>13-Aug-19</a:t>
+              <a:t>9/14/21</a:t>
             </a:fld>
             <a:endParaRPr lang="en-US"/>
           </a:p>
@@ -3109,7 +3109,7 @@
           <a:p>
             <a:fld id="{04F1D4A2-813C-F741-B481-C92B3A596030}" type="datetimeFigureOut">
               <a:rPr lang="en-US" smtClean="0"/>
-              <a:t>13-Aug-19</a:t>
+              <a:t>9/14/21</a:t>
             </a:fld>
             <a:endParaRPr lang="en-US"/>
           </a:p>
@@ -3539,23 +3539,11 @@
             <a:pPr algn="l"/>
             <a:r>
               <a:rPr lang="en-US" dirty="0"/>
-              <a:t>Enterprise </a:t>
-            </a:r>
-            <a:r>
-              <a:rPr lang="en-US" dirty="0" err="1"/>
-              <a:t>Programmering</a:t>
-            </a:r>
-            <a:r>
-              <a:rPr lang="en-US" dirty="0"/>
-              <a:t> 2</a:t>
+              <a:t>Enterprise Programming 2</a:t>
             </a:r>
             <a:br>
               <a:rPr lang="en-US" dirty="0"/>
             </a:br>
-            <a:r>
-              <a:rPr lang="en-US" dirty="0"/>
-              <a:t/>
-            </a:r>
             <a:br>
               <a:rPr lang="en-US" dirty="0"/>
             </a:br>
@@ -3590,16 +3578,12 @@
           <a:p>
             <a:pPr algn="r"/>
             <a:r>
-              <a:rPr lang="en-US"/>
-              <a:t>Prof. </a:t>
-            </a:r>
-            <a:r>
-              <a:rPr lang="en-US" dirty="0"/>
-              <a:t>Andrea </a:t>
+              <a:rPr lang="en-US" dirty="0"/>
+              <a:t>Bogdan </a:t>
             </a:r>
             <a:r>
               <a:rPr lang="en-US" dirty="0" err="1"/>
-              <a:t>Arcuri</a:t>
+              <a:t>Marculescu</a:t>
             </a:r>
             <a:endParaRPr lang="en-US" dirty="0"/>
           </a:p>
@@ -3938,36 +3922,31 @@
             <a:pPr lvl="1"/>
             <a:r>
               <a:rPr lang="en-US" dirty="0"/>
-              <a:t>could be computed as a hash of the </a:t>
-            </a:r>
-            <a:r>
-              <a:rPr lang="en-US" dirty="0" smtClean="0"/>
-              <a:t>response</a:t>
+              <a:t>could be computed as a hash of the response</a:t>
             </a:r>
           </a:p>
           <a:p>
             <a:pPr lvl="1"/>
             <a:r>
-              <a:rPr lang="en-US" dirty="0" smtClean="0"/>
+              <a:rPr lang="en-US" dirty="0"/>
               <a:t>if based on a JPA entity, could use its </a:t>
             </a:r>
             <a:r>
-              <a:rPr lang="en-US" i="1" dirty="0" smtClean="0"/>
+              <a:rPr lang="en-US" i="1" dirty="0"/>
               <a:t>@</a:t>
             </a:r>
             <a:r>
-              <a:rPr lang="en-US" i="1" smtClean="0"/>
+              <a:rPr lang="en-US" i="1"/>
               <a:t>Version</a:t>
             </a:r>
             <a:r>
-              <a:rPr lang="en-US" smtClean="0"/>
+              <a:rPr lang="en-US"/>
               <a:t> (if </a:t>
             </a:r>
             <a:r>
-              <a:rPr lang="en-US" dirty="0" smtClean="0"/>
+              <a:rPr lang="en-US" dirty="0"/>
               <a:t>any)</a:t>
             </a:r>
-            <a:endParaRPr lang="en-US" dirty="0"/>
           </a:p>
           <a:p>
             <a:endParaRPr lang="en-US" dirty="0"/>
@@ -10445,13 +10424,8 @@
             </a:r>
             <a:r>
               <a:rPr lang="en-US" dirty="0"/>
-              <a:t>: response can be </a:t>
-            </a:r>
-            <a:r>
-              <a:rPr lang="en-US" dirty="0" smtClean="0"/>
-              <a:t>cached</a:t>
-            </a:r>
-            <a:endParaRPr lang="en-US" dirty="0"/>
+              <a:t>: response can be cached</a:t>
+            </a:r>
           </a:p>
           <a:p>
             <a:r>
@@ -10796,20 +10770,15 @@
           <a:p>
             <a:r>
               <a:rPr lang="en-US" dirty="0"/>
-              <a:t>Example in a browser: how to tell the client to automatically go to homepage after a successful login on the login page</a:t>
-            </a:r>
-            <a:r>
-              <a:rPr lang="en-US" dirty="0" smtClean="0"/>
-              <a:t>?</a:t>
+              <a:t>Example in a browser: how to tell the client to automatically go to homepage after a successful login on the login page?</a:t>
             </a:r>
           </a:p>
           <a:p>
             <a:pPr lvl="1"/>
             <a:r>
-              <a:rPr lang="en-US" dirty="0" smtClean="0"/>
+              <a:rPr lang="en-US" dirty="0"/>
               <a:t>assuming HTML forms, and no JavaScript</a:t>
             </a:r>
-            <a:endParaRPr lang="en-US" dirty="0"/>
           </a:p>
           <a:p>
             <a:endParaRPr lang="en-US" dirty="0"/>
@@ -11326,26 +11295,21 @@
             <a:pPr lvl="1"/>
             <a:r>
               <a:rPr lang="en-US" dirty="0"/>
-              <a:t>unless you like random surprises, like clients transforming a PUT into a </a:t>
-            </a:r>
-            <a:r>
-              <a:rPr lang="en-US" dirty="0" smtClean="0"/>
-              <a:t>GET</a:t>
-            </a:r>
-          </a:p>
-          <a:p>
-            <a:r>
-              <a:rPr lang="en-US" dirty="0" smtClean="0"/>
+              <a:t>unless you like random surprises, like clients transforming a PUT into a GET</a:t>
+            </a:r>
+          </a:p>
+          <a:p>
+            <a:r>
+              <a:rPr lang="en-US" dirty="0"/>
               <a:t>302: change from POST to GET</a:t>
             </a:r>
           </a:p>
           <a:p>
             <a:pPr lvl="1"/>
             <a:r>
-              <a:rPr lang="en-US" dirty="0" smtClean="0"/>
+              <a:rPr lang="en-US" dirty="0"/>
               <a:t>important for HTML forms, but arguably no need in a REST API</a:t>
             </a:r>
-            <a:endParaRPr lang="en-US" dirty="0"/>
           </a:p>
           <a:p>
             <a:r>
